--- a/fig/paper/Figure1.pptx
+++ b/fig/paper/Figure1.pptx
@@ -1294,7 +1294,7 @@
           <a:p>
             <a:fld id="{FC063745-338C-6544-A5D2-E98827DF5448}" type="datetimeFigureOut">
               <a:rPr lang="fr-FR" smtClean="0"/>
-              <a:t>24/11/2025</a:t>
+              <a:t>08/12/2025</a:t>
             </a:fld>
             <a:endParaRPr lang="fr-FR"/>
           </a:p>
@@ -1692,7 +1692,7 @@
           <a:p>
             <a:fld id="{313D89CB-2992-504C-8485-488CC4F9911A}" type="datetime1">
               <a:rPr lang="fr-FR" smtClean="0"/>
-              <a:t>24/11/2025</a:t>
+              <a:t>08/12/2025</a:t>
             </a:fld>
             <a:endParaRPr lang="fr-FR"/>
           </a:p>
@@ -1862,7 +1862,7 @@
           <a:p>
             <a:fld id="{2BD3FA36-0741-BA4C-B4B5-15DB72BF03A1}" type="datetime1">
               <a:rPr lang="fr-FR" smtClean="0"/>
-              <a:t>24/11/2025</a:t>
+              <a:t>08/12/2025</a:t>
             </a:fld>
             <a:endParaRPr lang="fr-FR"/>
           </a:p>
@@ -2042,7 +2042,7 @@
           <a:p>
             <a:fld id="{05CC4263-710C-0844-9D48-8CC43FD5ED7E}" type="datetime1">
               <a:rPr lang="fr-FR" smtClean="0"/>
-              <a:t>24/11/2025</a:t>
+              <a:t>08/12/2025</a:t>
             </a:fld>
             <a:endParaRPr lang="fr-FR"/>
           </a:p>
@@ -2212,7 +2212,7 @@
           <a:p>
             <a:fld id="{6D246230-44E5-7149-A9C0-9697288E77C8}" type="datetime1">
               <a:rPr lang="fr-FR" smtClean="0"/>
-              <a:t>24/11/2025</a:t>
+              <a:t>08/12/2025</a:t>
             </a:fld>
             <a:endParaRPr lang="fr-FR"/>
           </a:p>
@@ -2458,7 +2458,7 @@
           <a:p>
             <a:fld id="{B2E6C6B8-87C5-9042-8379-57F3FAAEA27C}" type="datetime1">
               <a:rPr lang="fr-FR" smtClean="0"/>
-              <a:t>24/11/2025</a:t>
+              <a:t>08/12/2025</a:t>
             </a:fld>
             <a:endParaRPr lang="fr-FR"/>
           </a:p>
@@ -2690,7 +2690,7 @@
           <a:p>
             <a:fld id="{743B3B7F-FB76-574A-A50A-1B727FB2048E}" type="datetime1">
               <a:rPr lang="fr-FR" smtClean="0"/>
-              <a:t>24/11/2025</a:t>
+              <a:t>08/12/2025</a:t>
             </a:fld>
             <a:endParaRPr lang="fr-FR"/>
           </a:p>
@@ -3057,7 +3057,7 @@
           <a:p>
             <a:fld id="{7EC74428-84BA-3B4B-B43B-C65A92789810}" type="datetime1">
               <a:rPr lang="fr-FR" smtClean="0"/>
-              <a:t>24/11/2025</a:t>
+              <a:t>08/12/2025</a:t>
             </a:fld>
             <a:endParaRPr lang="fr-FR"/>
           </a:p>
@@ -3175,7 +3175,7 @@
           <a:p>
             <a:fld id="{45F830CD-A919-E446-A668-AE81763E5C43}" type="datetime1">
               <a:rPr lang="fr-FR" smtClean="0"/>
-              <a:t>24/11/2025</a:t>
+              <a:t>08/12/2025</a:t>
             </a:fld>
             <a:endParaRPr lang="fr-FR"/>
           </a:p>
@@ -3270,7 +3270,7 @@
           <a:p>
             <a:fld id="{71FB997D-B6C7-6B4B-B04D-489C2B815439}" type="datetime1">
               <a:rPr lang="fr-FR" smtClean="0"/>
-              <a:t>24/11/2025</a:t>
+              <a:t>08/12/2025</a:t>
             </a:fld>
             <a:endParaRPr lang="fr-FR"/>
           </a:p>
@@ -3547,7 +3547,7 @@
           <a:p>
             <a:fld id="{58312FBC-18EE-0C4F-A90A-8E31346EA436}" type="datetime1">
               <a:rPr lang="fr-FR" smtClean="0"/>
-              <a:t>24/11/2025</a:t>
+              <a:t>08/12/2025</a:t>
             </a:fld>
             <a:endParaRPr lang="fr-FR"/>
           </a:p>
@@ -3804,7 +3804,7 @@
           <a:p>
             <a:fld id="{507D74E3-20C5-3843-8BB5-9F1E31E1AB26}" type="datetime1">
               <a:rPr lang="fr-FR" smtClean="0"/>
-              <a:t>24/11/2025</a:t>
+              <a:t>08/12/2025</a:t>
             </a:fld>
             <a:endParaRPr lang="fr-FR"/>
           </a:p>
@@ -4017,7 +4017,7 @@
           <a:p>
             <a:fld id="{BFC8098D-FEF3-9840-8384-7EB58056CD3E}" type="datetime1">
               <a:rPr lang="fr-FR" smtClean="0"/>
-              <a:t>24/11/2025</a:t>
+              <a:t>08/12/2025</a:t>
             </a:fld>
             <a:endParaRPr lang="fr-FR"/>
           </a:p>
@@ -14291,8 +14291,8 @@
             </p:sp>
           </mc:Fallback>
         </mc:AlternateContent>
-        <mc:AlternateContent xmlns:mc="http://schemas.openxmlformats.org/markup-compatibility/2006" xmlns:a14="http://schemas.microsoft.com/office/drawing/2010/main">
-          <mc:Choice Requires="a14">
+        <mc:AlternateContent xmlns:mc="http://schemas.openxmlformats.org/markup-compatibility/2006">
+          <mc:Choice xmlns:a14="http://schemas.microsoft.com/office/drawing/2010/main" Requires="a14">
             <p:sp>
               <p:nvSpPr>
                 <p:cNvPr id="32" name="ZoneTexte 31">
@@ -14308,7 +14308,7 @@
               <p:spPr>
                 <a:xfrm>
                   <a:off x="3224511" y="4295281"/>
-                  <a:ext cx="2468153" cy="470898"/>
+                  <a:ext cx="2468153" cy="477375"/>
                 </a:xfrm>
                 <a:prstGeom prst="rect">
                   <a:avLst/>
@@ -14331,7 +14331,7 @@
                         <m:sSub>
                           <m:sSubPr>
                             <m:ctrlPr>
-                              <a:rPr lang="fr-FR" sz="1013" i="1">
+                              <a:rPr lang="fr-FR" sz="1013" i="1" smtClean="0">
                                 <a:solidFill>
                                   <a:schemeClr val="accent5"/>
                                 </a:solidFill>
@@ -14618,6 +14618,15 @@
                                 </m:d>
                               </m:sub>
                             </m:sSub>
+                            <m:r>
+                              <a:rPr lang="fr-FR" sz="1013" i="1">
+                                <a:solidFill>
+                                  <a:schemeClr val="accent5"/>
+                                </a:solidFill>
+                                <a:latin typeface="Cambria Math" panose="02040503050406030204" pitchFamily="18" charset="0"/>
+                              </a:rPr>
+                              <m:t>𝐵</m:t>
+                            </m:r>
                             <m:f>
                               <m:fPr>
                                 <m:ctrlPr>
@@ -14630,6 +14639,40 @@
                                 </m:ctrlPr>
                               </m:fPr>
                               <m:num>
+                                <m:sSub>
+                                  <m:sSubPr>
+                                    <m:ctrlPr>
+                                      <a:rPr lang="fr-FR" sz="1013" i="1">
+                                        <a:solidFill>
+                                          <a:schemeClr val="accent5"/>
+                                        </a:solidFill>
+                                        <a:latin typeface="Cambria Math" panose="02040503050406030204" pitchFamily="18" charset="0"/>
+                                      </a:rPr>
+                                    </m:ctrlPr>
+                                  </m:sSubPr>
+                                  <m:e>
+                                    <m:r>
+                                      <a:rPr lang="fr-FR" sz="1013" i="1">
+                                        <a:solidFill>
+                                          <a:schemeClr val="accent5"/>
+                                        </a:solidFill>
+                                        <a:latin typeface="Cambria Math" panose="02040503050406030204" pitchFamily="18" charset="0"/>
+                                      </a:rPr>
+                                      <m:t>𝐸</m:t>
+                                    </m:r>
+                                  </m:e>
+                                  <m:sub>
+                                    <m:r>
+                                      <a:rPr lang="fr-FR" sz="1013" i="1">
+                                        <a:solidFill>
+                                          <a:schemeClr val="accent5"/>
+                                        </a:solidFill>
+                                        <a:latin typeface="Cambria Math" panose="02040503050406030204" pitchFamily="18" charset="0"/>
+                                      </a:rPr>
+                                      <m:t>𝑚</m:t>
+                                    </m:r>
+                                  </m:sub>
+                                </m:sSub>
                                 <m:r>
                                   <a:rPr lang="fr-FR" sz="1013" i="1">
                                     <a:solidFill>
@@ -14637,7 +14680,25 @@
                                     </a:solidFill>
                                     <a:latin typeface="Cambria Math" panose="02040503050406030204" pitchFamily="18" charset="0"/>
                                   </a:rPr>
-                                  <m:t>𝐵</m:t>
+                                  <m:t>(</m:t>
+                                </m:r>
+                                <m:r>
+                                  <a:rPr lang="fr-FR" sz="1013" i="1">
+                                    <a:solidFill>
+                                      <a:schemeClr val="accent5"/>
+                                    </a:solidFill>
+                                    <a:latin typeface="Cambria Math" panose="02040503050406030204" pitchFamily="18" charset="0"/>
+                                  </a:rPr>
+                                  <m:t>𝑡</m:t>
+                                </m:r>
+                                <m:r>
+                                  <a:rPr lang="fr-FR" sz="1013" b="0" i="1" smtClean="0">
+                                    <a:solidFill>
+                                      <a:schemeClr val="accent5"/>
+                                    </a:solidFill>
+                                    <a:latin typeface="Cambria Math" panose="02040503050406030204" pitchFamily="18" charset="0"/>
+                                  </a:rPr>
+                                  <m:t>)</m:t>
                                 </m:r>
                               </m:num>
                               <m:den>
@@ -14677,67 +14738,6 @@
                                 </m:sSub>
                               </m:den>
                             </m:f>
-                            <m:sSub>
-                              <m:sSubPr>
-                                <m:ctrlPr>
-                                  <a:rPr lang="fr-FR" sz="1013" i="1">
-                                    <a:solidFill>
-                                      <a:schemeClr val="accent5"/>
-                                    </a:solidFill>
-                                    <a:latin typeface="Cambria Math" panose="02040503050406030204" pitchFamily="18" charset="0"/>
-                                  </a:rPr>
-                                </m:ctrlPr>
-                              </m:sSubPr>
-                              <m:e>
-                                <m:r>
-                                  <a:rPr lang="fr-FR" sz="1013" i="1">
-                                    <a:solidFill>
-                                      <a:schemeClr val="accent5"/>
-                                    </a:solidFill>
-                                    <a:latin typeface="Cambria Math" panose="02040503050406030204" pitchFamily="18" charset="0"/>
-                                  </a:rPr>
-                                  <m:t>𝐸</m:t>
-                                </m:r>
-                              </m:e>
-                              <m:sub>
-                                <m:r>
-                                  <a:rPr lang="fr-FR" sz="1013" i="1">
-                                    <a:solidFill>
-                                      <a:schemeClr val="accent5"/>
-                                    </a:solidFill>
-                                    <a:latin typeface="Cambria Math" panose="02040503050406030204" pitchFamily="18" charset="0"/>
-                                  </a:rPr>
-                                  <m:t>𝑚</m:t>
-                                </m:r>
-                              </m:sub>
-                            </m:sSub>
-                            <m:r>
-                              <a:rPr lang="fr-FR" sz="1013" i="1">
-                                <a:solidFill>
-                                  <a:schemeClr val="accent5"/>
-                                </a:solidFill>
-                                <a:latin typeface="Cambria Math" panose="02040503050406030204" pitchFamily="18" charset="0"/>
-                              </a:rPr>
-                              <m:t>(</m:t>
-                            </m:r>
-                            <m:r>
-                              <a:rPr lang="fr-FR" sz="1013" i="1">
-                                <a:solidFill>
-                                  <a:schemeClr val="accent5"/>
-                                </a:solidFill>
-                                <a:latin typeface="Cambria Math" panose="02040503050406030204" pitchFamily="18" charset="0"/>
-                              </a:rPr>
-                              <m:t>𝑡</m:t>
-                            </m:r>
-                            <m:r>
-                              <a:rPr lang="fr-FR" sz="1013" i="1">
-                                <a:solidFill>
-                                  <a:schemeClr val="accent5"/>
-                                </a:solidFill>
-                                <a:latin typeface="Cambria Math" panose="02040503050406030204" pitchFamily="18" charset="0"/>
-                              </a:rPr>
-                              <m:t>)</m:t>
-                            </m:r>
                           </m:e>
                         </m:nary>
                       </m:oMath>
@@ -14752,7 +14752,7 @@
               </p:txBody>
             </p:sp>
           </mc:Choice>
-          <mc:Fallback xmlns="">
+          <mc:Fallback>
             <p:sp>
               <p:nvSpPr>
                 <p:cNvPr id="32" name="ZoneTexte 31">
@@ -14770,7 +14770,7 @@
               <p:spPr>
                 <a:xfrm>
                   <a:off x="3224511" y="4295281"/>
-                  <a:ext cx="2468153" cy="470898"/>
+                  <a:ext cx="2468153" cy="477375"/>
                 </a:xfrm>
                 <a:prstGeom prst="rect">
                   <a:avLst/>
